--- a/素材/素材ppt.pptx
+++ b/素材/素材ppt.pptx
@@ -6,6 +6,7 @@
   </p:sldMasterIdLst>
   <p:sldIdLst>
     <p:sldId id="256" r:id="rId2"/>
+    <p:sldId id="257" r:id="rId3"/>
   </p:sldIdLst>
   <p:sldSz cx="12192000" cy="6858000"/>
   <p:notesSz cx="6858000" cy="9144000"/>
@@ -104,6 +105,11 @@
       </a:defRPr>
     </a:lvl9pPr>
   </p:defaultTextStyle>
+  <p:extLst>
+    <p:ext uri="{EFAFB233-063F-42B5-8137-9DF3F51BA10A}">
+      <p15:sldGuideLst xmlns:p15="http://schemas.microsoft.com/office/powerpoint/2012/main"/>
+    </p:ext>
+  </p:extLst>
 </p:presentation>
 </file>
 
@@ -254,7 +260,7 @@
           <a:p>
             <a:fld id="{87CFD60B-C4BD-4ECD-97C5-0DCAB504D6CB}" type="datetimeFigureOut">
               <a:rPr lang="zh-CN" altLang="en-US" smtClean="0"/>
-              <a:t>2023/3/28</a:t>
+              <a:t>2023/3/31</a:t>
             </a:fld>
             <a:endParaRPr lang="zh-CN" altLang="en-US"/>
           </a:p>
@@ -452,7 +458,7 @@
           <a:p>
             <a:fld id="{87CFD60B-C4BD-4ECD-97C5-0DCAB504D6CB}" type="datetimeFigureOut">
               <a:rPr lang="zh-CN" altLang="en-US" smtClean="0"/>
-              <a:t>2023/3/28</a:t>
+              <a:t>2023/3/31</a:t>
             </a:fld>
             <a:endParaRPr lang="zh-CN" altLang="en-US"/>
           </a:p>
@@ -660,7 +666,7 @@
           <a:p>
             <a:fld id="{87CFD60B-C4BD-4ECD-97C5-0DCAB504D6CB}" type="datetimeFigureOut">
               <a:rPr lang="zh-CN" altLang="en-US" smtClean="0"/>
-              <a:t>2023/3/28</a:t>
+              <a:t>2023/3/31</a:t>
             </a:fld>
             <a:endParaRPr lang="zh-CN" altLang="en-US"/>
           </a:p>
@@ -858,7 +864,7 @@
           <a:p>
             <a:fld id="{87CFD60B-C4BD-4ECD-97C5-0DCAB504D6CB}" type="datetimeFigureOut">
               <a:rPr lang="zh-CN" altLang="en-US" smtClean="0"/>
-              <a:t>2023/3/28</a:t>
+              <a:t>2023/3/31</a:t>
             </a:fld>
             <a:endParaRPr lang="zh-CN" altLang="en-US"/>
           </a:p>
@@ -1133,7 +1139,7 @@
           <a:p>
             <a:fld id="{87CFD60B-C4BD-4ECD-97C5-0DCAB504D6CB}" type="datetimeFigureOut">
               <a:rPr lang="zh-CN" altLang="en-US" smtClean="0"/>
-              <a:t>2023/3/28</a:t>
+              <a:t>2023/3/31</a:t>
             </a:fld>
             <a:endParaRPr lang="zh-CN" altLang="en-US"/>
           </a:p>
@@ -1398,7 +1404,7 @@
           <a:p>
             <a:fld id="{87CFD60B-C4BD-4ECD-97C5-0DCAB504D6CB}" type="datetimeFigureOut">
               <a:rPr lang="zh-CN" altLang="en-US" smtClean="0"/>
-              <a:t>2023/3/28</a:t>
+              <a:t>2023/3/31</a:t>
             </a:fld>
             <a:endParaRPr lang="zh-CN" altLang="en-US"/>
           </a:p>
@@ -1810,7 +1816,7 @@
           <a:p>
             <a:fld id="{87CFD60B-C4BD-4ECD-97C5-0DCAB504D6CB}" type="datetimeFigureOut">
               <a:rPr lang="zh-CN" altLang="en-US" smtClean="0"/>
-              <a:t>2023/3/28</a:t>
+              <a:t>2023/3/31</a:t>
             </a:fld>
             <a:endParaRPr lang="zh-CN" altLang="en-US"/>
           </a:p>
@@ -1951,7 +1957,7 @@
           <a:p>
             <a:fld id="{87CFD60B-C4BD-4ECD-97C5-0DCAB504D6CB}" type="datetimeFigureOut">
               <a:rPr lang="zh-CN" altLang="en-US" smtClean="0"/>
-              <a:t>2023/3/28</a:t>
+              <a:t>2023/3/31</a:t>
             </a:fld>
             <a:endParaRPr lang="zh-CN" altLang="en-US"/>
           </a:p>
@@ -2064,7 +2070,7 @@
           <a:p>
             <a:fld id="{87CFD60B-C4BD-4ECD-97C5-0DCAB504D6CB}" type="datetimeFigureOut">
               <a:rPr lang="zh-CN" altLang="en-US" smtClean="0"/>
-              <a:t>2023/3/28</a:t>
+              <a:t>2023/3/31</a:t>
             </a:fld>
             <a:endParaRPr lang="zh-CN" altLang="en-US"/>
           </a:p>
@@ -2375,7 +2381,7 @@
           <a:p>
             <a:fld id="{87CFD60B-C4BD-4ECD-97C5-0DCAB504D6CB}" type="datetimeFigureOut">
               <a:rPr lang="zh-CN" altLang="en-US" smtClean="0"/>
-              <a:t>2023/3/28</a:t>
+              <a:t>2023/3/31</a:t>
             </a:fld>
             <a:endParaRPr lang="zh-CN" altLang="en-US"/>
           </a:p>
@@ -2663,7 +2669,7 @@
           <a:p>
             <a:fld id="{87CFD60B-C4BD-4ECD-97C5-0DCAB504D6CB}" type="datetimeFigureOut">
               <a:rPr lang="zh-CN" altLang="en-US" smtClean="0"/>
-              <a:t>2023/3/28</a:t>
+              <a:t>2023/3/31</a:t>
             </a:fld>
             <a:endParaRPr lang="zh-CN" altLang="en-US"/>
           </a:p>
@@ -2904,7 +2910,7 @@
           <a:p>
             <a:fld id="{87CFD60B-C4BD-4ECD-97C5-0DCAB504D6CB}" type="datetimeFigureOut">
               <a:rPr lang="zh-CN" altLang="en-US" smtClean="0"/>
-              <a:t>2023/3/28</a:t>
+              <a:t>2023/3/31</a:t>
             </a:fld>
             <a:endParaRPr lang="zh-CN" altLang="en-US"/>
           </a:p>
@@ -3939,6 +3945,947 @@
 </p:sld>
 </file>
 
+<file path=ppt/slides/slide2.xml><?xml version="1.0" encoding="utf-8"?>
+<p:sld xmlns:a="http://schemas.openxmlformats.org/drawingml/2006/main" xmlns:r="http://schemas.openxmlformats.org/officeDocument/2006/relationships" xmlns:p="http://schemas.openxmlformats.org/presentationml/2006/main">
+  <p:cSld>
+    <p:spTree>
+      <p:nvGrpSpPr>
+        <p:cNvPr id="1" name=""/>
+        <p:cNvGrpSpPr/>
+        <p:nvPr/>
+      </p:nvGrpSpPr>
+      <p:grpSpPr>
+        <a:xfrm>
+          <a:off x="0" y="0"/>
+          <a:ext cx="0" cy="0"/>
+          <a:chOff x="0" y="0"/>
+          <a:chExt cx="0" cy="0"/>
+        </a:xfrm>
+      </p:grpSpPr>
+      <p:sp>
+        <p:nvSpPr>
+          <p:cNvPr id="4" name="椭圆 3">
+            <a:extLst>
+              <a:ext uri="{FF2B5EF4-FFF2-40B4-BE49-F238E27FC236}">
+                <a16:creationId xmlns:a16="http://schemas.microsoft.com/office/drawing/2014/main" id="{C25950E8-231A-8476-ECC6-CE65687E9D11}"/>
+              </a:ext>
+            </a:extLst>
+          </p:cNvPr>
+          <p:cNvSpPr/>
+          <p:nvPr/>
+        </p:nvSpPr>
+        <p:spPr>
+          <a:xfrm>
+            <a:off x="1096028" y="2066687"/>
+            <a:ext cx="175364" cy="175364"/>
+          </a:xfrm>
+          <a:prstGeom prst="ellipse">
+            <a:avLst/>
+          </a:prstGeom>
+        </p:spPr>
+        <p:style>
+          <a:lnRef idx="2">
+            <a:schemeClr val="accent1">
+              <a:shade val="50000"/>
+            </a:schemeClr>
+          </a:lnRef>
+          <a:fillRef idx="1">
+            <a:schemeClr val="accent1"/>
+          </a:fillRef>
+          <a:effectRef idx="0">
+            <a:schemeClr val="accent1"/>
+          </a:effectRef>
+          <a:fontRef idx="minor">
+            <a:schemeClr val="lt1"/>
+          </a:fontRef>
+        </p:style>
+        <p:txBody>
+          <a:bodyPr rtlCol="0" anchor="ctr"/>
+          <a:lstStyle/>
+          <a:p>
+            <a:pPr algn="ctr"/>
+            <a:endParaRPr lang="zh-CN" altLang="en-US"/>
+          </a:p>
+        </p:txBody>
+      </p:sp>
+      <p:sp>
+        <p:nvSpPr>
+          <p:cNvPr id="5" name="椭圆 4">
+            <a:extLst>
+              <a:ext uri="{FF2B5EF4-FFF2-40B4-BE49-F238E27FC236}">
+                <a16:creationId xmlns:a16="http://schemas.microsoft.com/office/drawing/2014/main" id="{44ABC36F-36A3-DF8F-7708-C5975347CE9F}"/>
+              </a:ext>
+            </a:extLst>
+          </p:cNvPr>
+          <p:cNvSpPr/>
+          <p:nvPr/>
+        </p:nvSpPr>
+        <p:spPr>
+          <a:xfrm>
+            <a:off x="2713973" y="437761"/>
+            <a:ext cx="175364" cy="175364"/>
+          </a:xfrm>
+          <a:prstGeom prst="ellipse">
+            <a:avLst/>
+          </a:prstGeom>
+        </p:spPr>
+        <p:style>
+          <a:lnRef idx="2">
+            <a:schemeClr val="accent1">
+              <a:shade val="50000"/>
+            </a:schemeClr>
+          </a:lnRef>
+          <a:fillRef idx="1">
+            <a:schemeClr val="accent1"/>
+          </a:fillRef>
+          <a:effectRef idx="0">
+            <a:schemeClr val="accent1"/>
+          </a:effectRef>
+          <a:fontRef idx="minor">
+            <a:schemeClr val="lt1"/>
+          </a:fontRef>
+        </p:style>
+        <p:txBody>
+          <a:bodyPr rtlCol="0" anchor="ctr"/>
+          <a:lstStyle/>
+          <a:p>
+            <a:pPr algn="ctr"/>
+            <a:endParaRPr lang="zh-CN" altLang="en-US"/>
+          </a:p>
+        </p:txBody>
+      </p:sp>
+      <p:sp>
+        <p:nvSpPr>
+          <p:cNvPr id="6" name="椭圆 5">
+            <a:extLst>
+              <a:ext uri="{FF2B5EF4-FFF2-40B4-BE49-F238E27FC236}">
+                <a16:creationId xmlns:a16="http://schemas.microsoft.com/office/drawing/2014/main" id="{7328E0E4-DE85-5A0B-CECF-656F08724CC2}"/>
+              </a:ext>
+            </a:extLst>
+          </p:cNvPr>
+          <p:cNvSpPr/>
+          <p:nvPr/>
+        </p:nvSpPr>
+        <p:spPr>
+          <a:xfrm>
+            <a:off x="4478055" y="2013953"/>
+            <a:ext cx="175364" cy="175364"/>
+          </a:xfrm>
+          <a:prstGeom prst="ellipse">
+            <a:avLst/>
+          </a:prstGeom>
+        </p:spPr>
+        <p:style>
+          <a:lnRef idx="2">
+            <a:schemeClr val="accent1">
+              <a:shade val="50000"/>
+            </a:schemeClr>
+          </a:lnRef>
+          <a:fillRef idx="1">
+            <a:schemeClr val="accent1"/>
+          </a:fillRef>
+          <a:effectRef idx="0">
+            <a:schemeClr val="accent1"/>
+          </a:effectRef>
+          <a:fontRef idx="minor">
+            <a:schemeClr val="lt1"/>
+          </a:fontRef>
+        </p:style>
+        <p:txBody>
+          <a:bodyPr rtlCol="0" anchor="ctr"/>
+          <a:lstStyle/>
+          <a:p>
+            <a:pPr algn="ctr"/>
+            <a:endParaRPr lang="zh-CN" altLang="en-US"/>
+          </a:p>
+        </p:txBody>
+      </p:sp>
+      <p:cxnSp>
+        <p:nvCxnSpPr>
+          <p:cNvPr id="8" name="直接箭头连接符 7">
+            <a:extLst>
+              <a:ext uri="{FF2B5EF4-FFF2-40B4-BE49-F238E27FC236}">
+                <a16:creationId xmlns:a16="http://schemas.microsoft.com/office/drawing/2014/main" id="{B60C9538-01E2-81D1-9B86-F1E77B6DA85A}"/>
+              </a:ext>
+            </a:extLst>
+          </p:cNvPr>
+          <p:cNvCxnSpPr>
+            <a:cxnSpLocks/>
+          </p:cNvCxnSpPr>
+          <p:nvPr/>
+        </p:nvCxnSpPr>
+        <p:spPr>
+          <a:xfrm flipH="1">
+            <a:off x="1271392" y="613125"/>
+            <a:ext cx="1442581" cy="1400828"/>
+          </a:xfrm>
+          <a:prstGeom prst="straightConnector1">
+            <a:avLst/>
+          </a:prstGeom>
+          <a:ln w="57150">
+            <a:tailEnd type="triangle"/>
+          </a:ln>
+        </p:spPr>
+        <p:style>
+          <a:lnRef idx="1">
+            <a:schemeClr val="accent1"/>
+          </a:lnRef>
+          <a:fillRef idx="0">
+            <a:schemeClr val="accent1"/>
+          </a:fillRef>
+          <a:effectRef idx="0">
+            <a:schemeClr val="accent1"/>
+          </a:effectRef>
+          <a:fontRef idx="minor">
+            <a:schemeClr val="tx1"/>
+          </a:fontRef>
+        </p:style>
+      </p:cxnSp>
+      <p:cxnSp>
+        <p:nvCxnSpPr>
+          <p:cNvPr id="11" name="直接箭头连接符 10">
+            <a:extLst>
+              <a:ext uri="{FF2B5EF4-FFF2-40B4-BE49-F238E27FC236}">
+                <a16:creationId xmlns:a16="http://schemas.microsoft.com/office/drawing/2014/main" id="{9BD029CB-8326-0009-EF4A-6F7FFA05BEE7}"/>
+              </a:ext>
+            </a:extLst>
+          </p:cNvPr>
+          <p:cNvCxnSpPr>
+            <a:cxnSpLocks/>
+            <a:endCxn id="6" idx="2"/>
+          </p:cNvCxnSpPr>
+          <p:nvPr/>
+        </p:nvCxnSpPr>
+        <p:spPr>
+          <a:xfrm>
+            <a:off x="1359075" y="2101635"/>
+            <a:ext cx="3118980" cy="0"/>
+          </a:xfrm>
+          <a:prstGeom prst="straightConnector1">
+            <a:avLst/>
+          </a:prstGeom>
+          <a:ln w="57150">
+            <a:tailEnd type="triangle"/>
+          </a:ln>
+        </p:spPr>
+        <p:style>
+          <a:lnRef idx="1">
+            <a:schemeClr val="accent1"/>
+          </a:lnRef>
+          <a:fillRef idx="0">
+            <a:schemeClr val="accent1"/>
+          </a:fillRef>
+          <a:effectRef idx="0">
+            <a:schemeClr val="accent1"/>
+          </a:effectRef>
+          <a:fontRef idx="minor">
+            <a:schemeClr val="tx1"/>
+          </a:fontRef>
+        </p:style>
+      </p:cxnSp>
+      <p:sp>
+        <p:nvSpPr>
+          <p:cNvPr id="14" name="文本框 13">
+            <a:extLst>
+              <a:ext uri="{FF2B5EF4-FFF2-40B4-BE49-F238E27FC236}">
+                <a16:creationId xmlns:a16="http://schemas.microsoft.com/office/drawing/2014/main" id="{0E894FC3-8933-43EC-1239-26C2D11169E3}"/>
+              </a:ext>
+            </a:extLst>
+          </p:cNvPr>
+          <p:cNvSpPr txBox="1"/>
+          <p:nvPr/>
+        </p:nvSpPr>
+        <p:spPr>
+          <a:xfrm>
+            <a:off x="2944780" y="263833"/>
+            <a:ext cx="1620957" cy="523220"/>
+          </a:xfrm>
+          <a:prstGeom prst="rect">
+            <a:avLst/>
+          </a:prstGeom>
+          <a:noFill/>
+        </p:spPr>
+        <p:txBody>
+          <a:bodyPr wrap="none" rtlCol="0">
+            <a:spAutoFit/>
+          </a:bodyPr>
+          <a:lstStyle/>
+          <a:p>
+            <a:r>
+              <a:rPr lang="zh-CN" altLang="en-US" sz="2800" dirty="0"/>
+              <a:t>当前位置</a:t>
+            </a:r>
+          </a:p>
+        </p:txBody>
+      </p:sp>
+      <p:sp>
+        <p:nvSpPr>
+          <p:cNvPr id="15" name="文本框 14">
+            <a:extLst>
+              <a:ext uri="{FF2B5EF4-FFF2-40B4-BE49-F238E27FC236}">
+                <a16:creationId xmlns:a16="http://schemas.microsoft.com/office/drawing/2014/main" id="{CA3F66BB-CF7A-9306-49C9-C180CB2661CB}"/>
+              </a:ext>
+            </a:extLst>
+          </p:cNvPr>
+          <p:cNvSpPr txBox="1"/>
+          <p:nvPr/>
+        </p:nvSpPr>
+        <p:spPr>
+          <a:xfrm>
+            <a:off x="897413" y="2189317"/>
+            <a:ext cx="572593" cy="523220"/>
+          </a:xfrm>
+          <a:prstGeom prst="rect">
+            <a:avLst/>
+          </a:prstGeom>
+          <a:noFill/>
+        </p:spPr>
+        <p:txBody>
+          <a:bodyPr wrap="none" rtlCol="0">
+            <a:spAutoFit/>
+          </a:bodyPr>
+          <a:lstStyle/>
+          <a:p>
+            <a:r>
+              <a:rPr lang="en-US" altLang="zh-CN" sz="2800" dirty="0"/>
+              <a:t>P1</a:t>
+            </a:r>
+          </a:p>
+        </p:txBody>
+      </p:sp>
+      <p:sp>
+        <p:nvSpPr>
+          <p:cNvPr id="16" name="文本框 15">
+            <a:extLst>
+              <a:ext uri="{FF2B5EF4-FFF2-40B4-BE49-F238E27FC236}">
+                <a16:creationId xmlns:a16="http://schemas.microsoft.com/office/drawing/2014/main" id="{A35B709E-52DD-C221-0787-97874A194A00}"/>
+              </a:ext>
+            </a:extLst>
+          </p:cNvPr>
+          <p:cNvSpPr txBox="1"/>
+          <p:nvPr/>
+        </p:nvSpPr>
+        <p:spPr>
+          <a:xfrm>
+            <a:off x="4279440" y="2189317"/>
+            <a:ext cx="572593" cy="523220"/>
+          </a:xfrm>
+          <a:prstGeom prst="rect">
+            <a:avLst/>
+          </a:prstGeom>
+          <a:noFill/>
+        </p:spPr>
+        <p:txBody>
+          <a:bodyPr wrap="none" rtlCol="0">
+            <a:spAutoFit/>
+          </a:bodyPr>
+          <a:lstStyle/>
+          <a:p>
+            <a:r>
+              <a:rPr lang="en-US" altLang="zh-CN" sz="2800" dirty="0"/>
+              <a:t>P2</a:t>
+            </a:r>
+            <a:endParaRPr lang="zh-CN" altLang="en-US" sz="2800" dirty="0"/>
+          </a:p>
+        </p:txBody>
+      </p:sp>
+      <p:sp>
+        <p:nvSpPr>
+          <p:cNvPr id="17" name="椭圆 16">
+            <a:extLst>
+              <a:ext uri="{FF2B5EF4-FFF2-40B4-BE49-F238E27FC236}">
+                <a16:creationId xmlns:a16="http://schemas.microsoft.com/office/drawing/2014/main" id="{C4CEA324-80C4-27D5-28D3-41599923BC1C}"/>
+              </a:ext>
+            </a:extLst>
+          </p:cNvPr>
+          <p:cNvSpPr/>
+          <p:nvPr/>
+        </p:nvSpPr>
+        <p:spPr>
+          <a:xfrm>
+            <a:off x="7931063" y="3759895"/>
+            <a:ext cx="175364" cy="175364"/>
+          </a:xfrm>
+          <a:prstGeom prst="ellipse">
+            <a:avLst/>
+          </a:prstGeom>
+        </p:spPr>
+        <p:style>
+          <a:lnRef idx="2">
+            <a:schemeClr val="accent1">
+              <a:shade val="50000"/>
+            </a:schemeClr>
+          </a:lnRef>
+          <a:fillRef idx="1">
+            <a:schemeClr val="accent1"/>
+          </a:fillRef>
+          <a:effectRef idx="0">
+            <a:schemeClr val="accent1"/>
+          </a:effectRef>
+          <a:fontRef idx="minor">
+            <a:schemeClr val="lt1"/>
+          </a:fontRef>
+        </p:style>
+        <p:txBody>
+          <a:bodyPr rtlCol="0" anchor="ctr"/>
+          <a:lstStyle/>
+          <a:p>
+            <a:pPr algn="ctr"/>
+            <a:endParaRPr lang="zh-CN" altLang="en-US"/>
+          </a:p>
+        </p:txBody>
+      </p:sp>
+      <p:sp>
+        <p:nvSpPr>
+          <p:cNvPr id="18" name="椭圆 17">
+            <a:extLst>
+              <a:ext uri="{FF2B5EF4-FFF2-40B4-BE49-F238E27FC236}">
+                <a16:creationId xmlns:a16="http://schemas.microsoft.com/office/drawing/2014/main" id="{A8862FCA-2F6E-5CD2-CD67-EA1BAD956414}"/>
+              </a:ext>
+            </a:extLst>
+          </p:cNvPr>
+          <p:cNvSpPr/>
+          <p:nvPr/>
+        </p:nvSpPr>
+        <p:spPr>
+          <a:xfrm>
+            <a:off x="11313090" y="3759895"/>
+            <a:ext cx="175364" cy="175364"/>
+          </a:xfrm>
+          <a:prstGeom prst="ellipse">
+            <a:avLst/>
+          </a:prstGeom>
+        </p:spPr>
+        <p:style>
+          <a:lnRef idx="2">
+            <a:schemeClr val="accent1">
+              <a:shade val="50000"/>
+            </a:schemeClr>
+          </a:lnRef>
+          <a:fillRef idx="1">
+            <a:schemeClr val="accent1"/>
+          </a:fillRef>
+          <a:effectRef idx="0">
+            <a:schemeClr val="accent1"/>
+          </a:effectRef>
+          <a:fontRef idx="minor">
+            <a:schemeClr val="lt1"/>
+          </a:fontRef>
+        </p:style>
+        <p:txBody>
+          <a:bodyPr rtlCol="0" anchor="ctr"/>
+          <a:lstStyle/>
+          <a:p>
+            <a:pPr algn="ctr"/>
+            <a:endParaRPr lang="zh-CN" altLang="en-US"/>
+          </a:p>
+        </p:txBody>
+      </p:sp>
+      <p:sp>
+        <p:nvSpPr>
+          <p:cNvPr id="20" name="文本框 19">
+            <a:extLst>
+              <a:ext uri="{FF2B5EF4-FFF2-40B4-BE49-F238E27FC236}">
+                <a16:creationId xmlns:a16="http://schemas.microsoft.com/office/drawing/2014/main" id="{CC96A3ED-095C-151C-EEA4-02C7BB8853DA}"/>
+              </a:ext>
+            </a:extLst>
+          </p:cNvPr>
+          <p:cNvSpPr txBox="1"/>
+          <p:nvPr/>
+        </p:nvSpPr>
+        <p:spPr>
+          <a:xfrm>
+            <a:off x="7209869" y="3921946"/>
+            <a:ext cx="1620957" cy="523220"/>
+          </a:xfrm>
+          <a:prstGeom prst="rect">
+            <a:avLst/>
+          </a:prstGeom>
+          <a:noFill/>
+        </p:spPr>
+        <p:txBody>
+          <a:bodyPr wrap="none" rtlCol="0">
+            <a:spAutoFit/>
+          </a:bodyPr>
+          <a:lstStyle/>
+          <a:p>
+            <a:r>
+              <a:rPr lang="zh-CN" altLang="en-US" sz="2800" dirty="0"/>
+              <a:t>当前位置</a:t>
+            </a:r>
+            <a:endParaRPr lang="en-US" altLang="zh-CN" sz="2800" dirty="0"/>
+          </a:p>
+        </p:txBody>
+      </p:sp>
+      <p:sp>
+        <p:nvSpPr>
+          <p:cNvPr id="21" name="文本框 20">
+            <a:extLst>
+              <a:ext uri="{FF2B5EF4-FFF2-40B4-BE49-F238E27FC236}">
+                <a16:creationId xmlns:a16="http://schemas.microsoft.com/office/drawing/2014/main" id="{5F88DB20-0518-27FC-BA45-9878690CD04B}"/>
+              </a:ext>
+            </a:extLst>
+          </p:cNvPr>
+          <p:cNvSpPr txBox="1"/>
+          <p:nvPr/>
+        </p:nvSpPr>
+        <p:spPr>
+          <a:xfrm>
+            <a:off x="11114475" y="3935259"/>
+            <a:ext cx="572593" cy="523220"/>
+          </a:xfrm>
+          <a:prstGeom prst="rect">
+            <a:avLst/>
+          </a:prstGeom>
+          <a:noFill/>
+        </p:spPr>
+        <p:txBody>
+          <a:bodyPr wrap="none" rtlCol="0">
+            <a:spAutoFit/>
+          </a:bodyPr>
+          <a:lstStyle/>
+          <a:p>
+            <a:r>
+              <a:rPr lang="en-US" altLang="zh-CN" sz="2800" dirty="0"/>
+              <a:t>P1</a:t>
+            </a:r>
+            <a:endParaRPr lang="zh-CN" altLang="en-US" sz="2800" dirty="0"/>
+          </a:p>
+        </p:txBody>
+      </p:sp>
+      <p:cxnSp>
+        <p:nvCxnSpPr>
+          <p:cNvPr id="24" name="连接符: 曲线 23">
+            <a:extLst>
+              <a:ext uri="{FF2B5EF4-FFF2-40B4-BE49-F238E27FC236}">
+                <a16:creationId xmlns:a16="http://schemas.microsoft.com/office/drawing/2014/main" id="{14D41110-85C7-9E7B-0ED8-C313B1DC8F80}"/>
+              </a:ext>
+            </a:extLst>
+          </p:cNvPr>
+          <p:cNvCxnSpPr>
+            <a:stCxn id="17" idx="7"/>
+            <a:endCxn id="18" idx="1"/>
+          </p:cNvCxnSpPr>
+          <p:nvPr/>
+        </p:nvCxnSpPr>
+        <p:spPr>
+          <a:xfrm rot="5400000" flipH="1" flipV="1">
+            <a:off x="9709758" y="2156564"/>
+            <a:ext cx="12700" cy="3258025"/>
+          </a:xfrm>
+          <a:prstGeom prst="curvedConnector3">
+            <a:avLst>
+              <a:gd name="adj1" fmla="val 2002213"/>
+            </a:avLst>
+          </a:prstGeom>
+          <a:ln w="57150">
+            <a:tailEnd type="triangle"/>
+          </a:ln>
+        </p:spPr>
+        <p:style>
+          <a:lnRef idx="1">
+            <a:schemeClr val="accent1"/>
+          </a:lnRef>
+          <a:fillRef idx="0">
+            <a:schemeClr val="accent1"/>
+          </a:fillRef>
+          <a:effectRef idx="0">
+            <a:schemeClr val="accent1"/>
+          </a:effectRef>
+          <a:fontRef idx="minor">
+            <a:schemeClr val="tx1"/>
+          </a:fontRef>
+        </p:style>
+      </p:cxnSp>
+      <p:sp>
+        <p:nvSpPr>
+          <p:cNvPr id="25" name="椭圆 24">
+            <a:extLst>
+              <a:ext uri="{FF2B5EF4-FFF2-40B4-BE49-F238E27FC236}">
+                <a16:creationId xmlns:a16="http://schemas.microsoft.com/office/drawing/2014/main" id="{837BB6C1-46CB-9D8E-0E64-A299717355AE}"/>
+              </a:ext>
+            </a:extLst>
+          </p:cNvPr>
+          <p:cNvSpPr/>
+          <p:nvPr/>
+        </p:nvSpPr>
+        <p:spPr>
+          <a:xfrm>
+            <a:off x="2133600" y="3431874"/>
+            <a:ext cx="2519819" cy="2519819"/>
+          </a:xfrm>
+          <a:prstGeom prst="ellipse">
+            <a:avLst/>
+          </a:prstGeom>
+          <a:noFill/>
+          <a:ln w="38100">
+            <a:solidFill>
+              <a:schemeClr val="accent1"/>
+            </a:solidFill>
+          </a:ln>
+        </p:spPr>
+        <p:style>
+          <a:lnRef idx="2">
+            <a:schemeClr val="accent1">
+              <a:shade val="50000"/>
+            </a:schemeClr>
+          </a:lnRef>
+          <a:fillRef idx="1">
+            <a:schemeClr val="accent1"/>
+          </a:fillRef>
+          <a:effectRef idx="0">
+            <a:schemeClr val="accent1"/>
+          </a:effectRef>
+          <a:fontRef idx="minor">
+            <a:schemeClr val="lt1"/>
+          </a:fontRef>
+        </p:style>
+        <p:txBody>
+          <a:bodyPr rtlCol="0" anchor="ctr"/>
+          <a:lstStyle/>
+          <a:p>
+            <a:pPr algn="ctr"/>
+            <a:endParaRPr lang="zh-CN" altLang="en-US"/>
+          </a:p>
+        </p:txBody>
+      </p:sp>
+      <p:sp>
+        <p:nvSpPr>
+          <p:cNvPr id="26" name="椭圆 25">
+            <a:extLst>
+              <a:ext uri="{FF2B5EF4-FFF2-40B4-BE49-F238E27FC236}">
+                <a16:creationId xmlns:a16="http://schemas.microsoft.com/office/drawing/2014/main" id="{A9244692-4592-F966-959C-F5E73518DFC7}"/>
+              </a:ext>
+            </a:extLst>
+          </p:cNvPr>
+          <p:cNvSpPr/>
+          <p:nvPr/>
+        </p:nvSpPr>
+        <p:spPr>
+          <a:xfrm>
+            <a:off x="3305827" y="3355673"/>
+            <a:ext cx="175364" cy="175364"/>
+          </a:xfrm>
+          <a:prstGeom prst="ellipse">
+            <a:avLst/>
+          </a:prstGeom>
+        </p:spPr>
+        <p:style>
+          <a:lnRef idx="2">
+            <a:schemeClr val="accent1">
+              <a:shade val="50000"/>
+            </a:schemeClr>
+          </a:lnRef>
+          <a:fillRef idx="1">
+            <a:schemeClr val="accent1"/>
+          </a:fillRef>
+          <a:effectRef idx="0">
+            <a:schemeClr val="accent1"/>
+          </a:effectRef>
+          <a:fontRef idx="minor">
+            <a:schemeClr val="lt1"/>
+          </a:fontRef>
+        </p:style>
+        <p:txBody>
+          <a:bodyPr rtlCol="0" anchor="ctr"/>
+          <a:lstStyle/>
+          <a:p>
+            <a:pPr algn="ctr"/>
+            <a:endParaRPr lang="zh-CN" altLang="en-US"/>
+          </a:p>
+        </p:txBody>
+      </p:sp>
+      <p:sp>
+        <p:nvSpPr>
+          <p:cNvPr id="27" name="椭圆 26">
+            <a:extLst>
+              <a:ext uri="{FF2B5EF4-FFF2-40B4-BE49-F238E27FC236}">
+                <a16:creationId xmlns:a16="http://schemas.microsoft.com/office/drawing/2014/main" id="{EAA88D95-42FF-91E0-F14B-5BD90A27F4E3}"/>
+              </a:ext>
+            </a:extLst>
+          </p:cNvPr>
+          <p:cNvSpPr/>
+          <p:nvPr/>
+        </p:nvSpPr>
+        <p:spPr>
+          <a:xfrm>
+            <a:off x="4565737" y="4604101"/>
+            <a:ext cx="175364" cy="175364"/>
+          </a:xfrm>
+          <a:prstGeom prst="ellipse">
+            <a:avLst/>
+          </a:prstGeom>
+        </p:spPr>
+        <p:style>
+          <a:lnRef idx="2">
+            <a:schemeClr val="accent1">
+              <a:shade val="50000"/>
+            </a:schemeClr>
+          </a:lnRef>
+          <a:fillRef idx="1">
+            <a:schemeClr val="accent1"/>
+          </a:fillRef>
+          <a:effectRef idx="0">
+            <a:schemeClr val="accent1"/>
+          </a:effectRef>
+          <a:fontRef idx="minor">
+            <a:schemeClr val="lt1"/>
+          </a:fontRef>
+        </p:style>
+        <p:txBody>
+          <a:bodyPr rtlCol="0" anchor="ctr"/>
+          <a:lstStyle/>
+          <a:p>
+            <a:pPr algn="ctr"/>
+            <a:endParaRPr lang="zh-CN" altLang="en-US"/>
+          </a:p>
+        </p:txBody>
+      </p:sp>
+      <p:sp>
+        <p:nvSpPr>
+          <p:cNvPr id="28" name="椭圆 27">
+            <a:extLst>
+              <a:ext uri="{FF2B5EF4-FFF2-40B4-BE49-F238E27FC236}">
+                <a16:creationId xmlns:a16="http://schemas.microsoft.com/office/drawing/2014/main" id="{EBC5FF66-C506-A6AF-9AFD-6194179C7AD6}"/>
+              </a:ext>
+            </a:extLst>
+          </p:cNvPr>
+          <p:cNvSpPr/>
+          <p:nvPr/>
+        </p:nvSpPr>
+        <p:spPr>
+          <a:xfrm>
+            <a:off x="3329313" y="5852530"/>
+            <a:ext cx="175364" cy="175364"/>
+          </a:xfrm>
+          <a:prstGeom prst="ellipse">
+            <a:avLst/>
+          </a:prstGeom>
+        </p:spPr>
+        <p:style>
+          <a:lnRef idx="2">
+            <a:schemeClr val="accent1">
+              <a:shade val="50000"/>
+            </a:schemeClr>
+          </a:lnRef>
+          <a:fillRef idx="1">
+            <a:schemeClr val="accent1"/>
+          </a:fillRef>
+          <a:effectRef idx="0">
+            <a:schemeClr val="accent1"/>
+          </a:effectRef>
+          <a:fontRef idx="minor">
+            <a:schemeClr val="lt1"/>
+          </a:fontRef>
+        </p:style>
+        <p:txBody>
+          <a:bodyPr rtlCol="0" anchor="ctr"/>
+          <a:lstStyle/>
+          <a:p>
+            <a:pPr algn="ctr"/>
+            <a:endParaRPr lang="zh-CN" altLang="en-US"/>
+          </a:p>
+        </p:txBody>
+      </p:sp>
+      <p:sp>
+        <p:nvSpPr>
+          <p:cNvPr id="29" name="椭圆 28">
+            <a:extLst>
+              <a:ext uri="{FF2B5EF4-FFF2-40B4-BE49-F238E27FC236}">
+                <a16:creationId xmlns:a16="http://schemas.microsoft.com/office/drawing/2014/main" id="{BC077F1B-8767-F764-4869-E771559235CA}"/>
+              </a:ext>
+            </a:extLst>
+          </p:cNvPr>
+          <p:cNvSpPr/>
+          <p:nvPr/>
+        </p:nvSpPr>
+        <p:spPr>
+          <a:xfrm>
+            <a:off x="2044874" y="4604101"/>
+            <a:ext cx="175364" cy="175364"/>
+          </a:xfrm>
+          <a:prstGeom prst="ellipse">
+            <a:avLst/>
+          </a:prstGeom>
+        </p:spPr>
+        <p:style>
+          <a:lnRef idx="2">
+            <a:schemeClr val="accent1">
+              <a:shade val="50000"/>
+            </a:schemeClr>
+          </a:lnRef>
+          <a:fillRef idx="1">
+            <a:schemeClr val="accent1"/>
+          </a:fillRef>
+          <a:effectRef idx="0">
+            <a:schemeClr val="accent1"/>
+          </a:effectRef>
+          <a:fontRef idx="minor">
+            <a:schemeClr val="lt1"/>
+          </a:fontRef>
+        </p:style>
+        <p:txBody>
+          <a:bodyPr rtlCol="0" anchor="ctr"/>
+          <a:lstStyle/>
+          <a:p>
+            <a:pPr algn="ctr"/>
+            <a:endParaRPr lang="zh-CN" altLang="en-US"/>
+          </a:p>
+        </p:txBody>
+      </p:sp>
+      <p:sp>
+        <p:nvSpPr>
+          <p:cNvPr id="30" name="文本框 29">
+            <a:extLst>
+              <a:ext uri="{FF2B5EF4-FFF2-40B4-BE49-F238E27FC236}">
+                <a16:creationId xmlns:a16="http://schemas.microsoft.com/office/drawing/2014/main" id="{C9421B19-9C6F-40C4-225E-5B9E5CD2F7B8}"/>
+              </a:ext>
+            </a:extLst>
+          </p:cNvPr>
+          <p:cNvSpPr txBox="1"/>
+          <p:nvPr/>
+        </p:nvSpPr>
+        <p:spPr>
+          <a:xfrm>
+            <a:off x="3130698" y="2810596"/>
+            <a:ext cx="572593" cy="523220"/>
+          </a:xfrm>
+          <a:prstGeom prst="rect">
+            <a:avLst/>
+          </a:prstGeom>
+          <a:noFill/>
+        </p:spPr>
+        <p:txBody>
+          <a:bodyPr wrap="none" rtlCol="0">
+            <a:spAutoFit/>
+          </a:bodyPr>
+          <a:lstStyle/>
+          <a:p>
+            <a:r>
+              <a:rPr lang="en-US" altLang="zh-CN" sz="2800" dirty="0"/>
+              <a:t>P1</a:t>
+            </a:r>
+          </a:p>
+        </p:txBody>
+      </p:sp>
+      <p:sp>
+        <p:nvSpPr>
+          <p:cNvPr id="31" name="文本框 30">
+            <a:extLst>
+              <a:ext uri="{FF2B5EF4-FFF2-40B4-BE49-F238E27FC236}">
+                <a16:creationId xmlns:a16="http://schemas.microsoft.com/office/drawing/2014/main" id="{FD919B79-98D3-3359-D956-19F09B53FC8D}"/>
+              </a:ext>
+            </a:extLst>
+          </p:cNvPr>
+          <p:cNvSpPr txBox="1"/>
+          <p:nvPr/>
+        </p:nvSpPr>
+        <p:spPr>
+          <a:xfrm>
+            <a:off x="4776688" y="4430173"/>
+            <a:ext cx="572593" cy="523220"/>
+          </a:xfrm>
+          <a:prstGeom prst="rect">
+            <a:avLst/>
+          </a:prstGeom>
+          <a:noFill/>
+        </p:spPr>
+        <p:txBody>
+          <a:bodyPr wrap="none" rtlCol="0">
+            <a:spAutoFit/>
+          </a:bodyPr>
+          <a:lstStyle/>
+          <a:p>
+            <a:r>
+              <a:rPr lang="en-US" altLang="zh-CN" sz="2800" dirty="0"/>
+              <a:t>P2</a:t>
+            </a:r>
+          </a:p>
+        </p:txBody>
+      </p:sp>
+      <p:sp>
+        <p:nvSpPr>
+          <p:cNvPr id="32" name="文本框 31">
+            <a:extLst>
+              <a:ext uri="{FF2B5EF4-FFF2-40B4-BE49-F238E27FC236}">
+                <a16:creationId xmlns:a16="http://schemas.microsoft.com/office/drawing/2014/main" id="{A240FDA6-9760-1049-BC24-5C0F0E67A8A8}"/>
+              </a:ext>
+            </a:extLst>
+          </p:cNvPr>
+          <p:cNvSpPr txBox="1"/>
+          <p:nvPr/>
+        </p:nvSpPr>
+        <p:spPr>
+          <a:xfrm>
+            <a:off x="3145754" y="6027894"/>
+            <a:ext cx="572593" cy="523220"/>
+          </a:xfrm>
+          <a:prstGeom prst="rect">
+            <a:avLst/>
+          </a:prstGeom>
+          <a:noFill/>
+        </p:spPr>
+        <p:txBody>
+          <a:bodyPr wrap="none" rtlCol="0">
+            <a:spAutoFit/>
+          </a:bodyPr>
+          <a:lstStyle/>
+          <a:p>
+            <a:r>
+              <a:rPr lang="en-US" altLang="zh-CN" sz="2800" dirty="0"/>
+              <a:t>P3</a:t>
+            </a:r>
+          </a:p>
+        </p:txBody>
+      </p:sp>
+      <p:sp>
+        <p:nvSpPr>
+          <p:cNvPr id="33" name="文本框 32">
+            <a:extLst>
+              <a:ext uri="{FF2B5EF4-FFF2-40B4-BE49-F238E27FC236}">
+                <a16:creationId xmlns:a16="http://schemas.microsoft.com/office/drawing/2014/main" id="{20C9C77D-3D75-5ED1-C33E-3CA773056FA7}"/>
+              </a:ext>
+            </a:extLst>
+          </p:cNvPr>
+          <p:cNvSpPr txBox="1"/>
+          <p:nvPr/>
+        </p:nvSpPr>
+        <p:spPr>
+          <a:xfrm>
+            <a:off x="1427918" y="4460567"/>
+            <a:ext cx="572593" cy="523220"/>
+          </a:xfrm>
+          <a:prstGeom prst="rect">
+            <a:avLst/>
+          </a:prstGeom>
+          <a:noFill/>
+        </p:spPr>
+        <p:txBody>
+          <a:bodyPr wrap="none" rtlCol="0">
+            <a:spAutoFit/>
+          </a:bodyPr>
+          <a:lstStyle/>
+          <a:p>
+            <a:r>
+              <a:rPr lang="en-US" altLang="zh-CN" sz="2800" dirty="0"/>
+              <a:t>P4</a:t>
+            </a:r>
+          </a:p>
+        </p:txBody>
+      </p:sp>
+    </p:spTree>
+    <p:extLst>
+      <p:ext uri="{BB962C8B-B14F-4D97-AF65-F5344CB8AC3E}">
+        <p14:creationId xmlns:p14="http://schemas.microsoft.com/office/powerpoint/2010/main" val="729248026"/>
+      </p:ext>
+    </p:extLst>
+  </p:cSld>
+  <p:clrMapOvr>
+    <a:masterClrMapping/>
+  </p:clrMapOvr>
+</p:sld>
+</file>
+
 <file path=ppt/theme/theme1.xml><?xml version="1.0" encoding="utf-8"?>
 <a:theme xmlns:a="http://schemas.openxmlformats.org/drawingml/2006/main" name="Office 主题​​">
   <a:themeElements>
